--- a/專案/00857008-00857025期末專案.pptx
+++ b/專案/00857008-00857025期末專案.pptx
@@ -10,8 +10,10 @@
     <p:sldId id="261" r:id="rId4"/>
     <p:sldId id="263" r:id="rId5"/>
     <p:sldId id="262" r:id="rId6"/>
-    <p:sldId id="264" r:id="rId7"/>
-    <p:sldId id="266" r:id="rId8"/>
+    <p:sldId id="267" r:id="rId7"/>
+    <p:sldId id="269" r:id="rId8"/>
+    <p:sldId id="264" r:id="rId9"/>
+    <p:sldId id="266" r:id="rId10"/>
   </p:sldIdLst>
   <p:sldSz cx="12192000" cy="6858000"/>
   <p:notesSz cx="6858000" cy="9144000"/>
@@ -120,6 +122,8 @@
             <p14:sldId id="261"/>
             <p14:sldId id="263"/>
             <p14:sldId id="262"/>
+            <p14:sldId id="267"/>
+            <p14:sldId id="269"/>
             <p14:sldId id="264"/>
             <p14:sldId id="266"/>
           </p14:sldIdLst>
@@ -264,7 +268,7 @@
           <a:p>
             <a:fld id="{E31A4952-F44A-468F-B06B-02EDF1F19E05}" type="datetimeFigureOut">
               <a:rPr lang="zh-TW" altLang="en-US" smtClean="0"/>
-              <a:t>2021/1/9</a:t>
+              <a:t>2021/1/12</a:t>
             </a:fld>
             <a:endParaRPr lang="zh-TW" altLang="en-US"/>
           </a:p>
@@ -434,7 +438,7 @@
           <a:p>
             <a:fld id="{E31A4952-F44A-468F-B06B-02EDF1F19E05}" type="datetimeFigureOut">
               <a:rPr lang="zh-TW" altLang="en-US" smtClean="0"/>
-              <a:t>2021/1/9</a:t>
+              <a:t>2021/1/12</a:t>
             </a:fld>
             <a:endParaRPr lang="zh-TW" altLang="en-US"/>
           </a:p>
@@ -614,7 +618,7 @@
           <a:p>
             <a:fld id="{E31A4952-F44A-468F-B06B-02EDF1F19E05}" type="datetimeFigureOut">
               <a:rPr lang="zh-TW" altLang="en-US" smtClean="0"/>
-              <a:t>2021/1/9</a:t>
+              <a:t>2021/1/12</a:t>
             </a:fld>
             <a:endParaRPr lang="zh-TW" altLang="en-US"/>
           </a:p>
@@ -784,7 +788,7 @@
           <a:p>
             <a:fld id="{E31A4952-F44A-468F-B06B-02EDF1F19E05}" type="datetimeFigureOut">
               <a:rPr lang="zh-TW" altLang="en-US" smtClean="0"/>
-              <a:t>2021/1/9</a:t>
+              <a:t>2021/1/12</a:t>
             </a:fld>
             <a:endParaRPr lang="zh-TW" altLang="en-US"/>
           </a:p>
@@ -1030,7 +1034,7 @@
           <a:p>
             <a:fld id="{E31A4952-F44A-468F-B06B-02EDF1F19E05}" type="datetimeFigureOut">
               <a:rPr lang="zh-TW" altLang="en-US" smtClean="0"/>
-              <a:t>2021/1/9</a:t>
+              <a:t>2021/1/12</a:t>
             </a:fld>
             <a:endParaRPr lang="zh-TW" altLang="en-US"/>
           </a:p>
@@ -1262,7 +1266,7 @@
           <a:p>
             <a:fld id="{E31A4952-F44A-468F-B06B-02EDF1F19E05}" type="datetimeFigureOut">
               <a:rPr lang="zh-TW" altLang="en-US" smtClean="0"/>
-              <a:t>2021/1/9</a:t>
+              <a:t>2021/1/12</a:t>
             </a:fld>
             <a:endParaRPr lang="zh-TW" altLang="en-US"/>
           </a:p>
@@ -1629,7 +1633,7 @@
           <a:p>
             <a:fld id="{E31A4952-F44A-468F-B06B-02EDF1F19E05}" type="datetimeFigureOut">
               <a:rPr lang="zh-TW" altLang="en-US" smtClean="0"/>
-              <a:t>2021/1/9</a:t>
+              <a:t>2021/1/12</a:t>
             </a:fld>
             <a:endParaRPr lang="zh-TW" altLang="en-US"/>
           </a:p>
@@ -1747,7 +1751,7 @@
           <a:p>
             <a:fld id="{E31A4952-F44A-468F-B06B-02EDF1F19E05}" type="datetimeFigureOut">
               <a:rPr lang="zh-TW" altLang="en-US" smtClean="0"/>
-              <a:t>2021/1/9</a:t>
+              <a:t>2021/1/12</a:t>
             </a:fld>
             <a:endParaRPr lang="zh-TW" altLang="en-US"/>
           </a:p>
@@ -1842,7 +1846,7 @@
           <a:p>
             <a:fld id="{E31A4952-F44A-468F-B06B-02EDF1F19E05}" type="datetimeFigureOut">
               <a:rPr lang="zh-TW" altLang="en-US" smtClean="0"/>
-              <a:t>2021/1/9</a:t>
+              <a:t>2021/1/12</a:t>
             </a:fld>
             <a:endParaRPr lang="zh-TW" altLang="en-US"/>
           </a:p>
@@ -2119,7 +2123,7 @@
           <a:p>
             <a:fld id="{E31A4952-F44A-468F-B06B-02EDF1F19E05}" type="datetimeFigureOut">
               <a:rPr lang="zh-TW" altLang="en-US" smtClean="0"/>
-              <a:t>2021/1/9</a:t>
+              <a:t>2021/1/12</a:t>
             </a:fld>
             <a:endParaRPr lang="zh-TW" altLang="en-US"/>
           </a:p>
@@ -2376,7 +2380,7 @@
           <a:p>
             <a:fld id="{E31A4952-F44A-468F-B06B-02EDF1F19E05}" type="datetimeFigureOut">
               <a:rPr lang="zh-TW" altLang="en-US" smtClean="0"/>
-              <a:t>2021/1/9</a:t>
+              <a:t>2021/1/12</a:t>
             </a:fld>
             <a:endParaRPr lang="zh-TW" altLang="en-US"/>
           </a:p>
@@ -2589,7 +2593,7 @@
           <a:p>
             <a:fld id="{E31A4952-F44A-468F-B06B-02EDF1F19E05}" type="datetimeFigureOut">
               <a:rPr lang="zh-TW" altLang="en-US" smtClean="0"/>
-              <a:t>2021/1/9</a:t>
+              <a:t>2021/1/12</a:t>
             </a:fld>
             <a:endParaRPr lang="zh-TW" altLang="en-US"/>
           </a:p>
@@ -5521,10 +5525,10 @@
         </p:nvGrpSpPr>
         <p:grpSpPr>
           <a:xfrm>
-            <a:off x="5936612" y="2139371"/>
-            <a:ext cx="3095404" cy="2893806"/>
-            <a:chOff x="4589482" y="1926919"/>
-            <a:chExt cx="3095404" cy="2893806"/>
+            <a:off x="6666746" y="2139371"/>
+            <a:ext cx="1460472" cy="2719662"/>
+            <a:chOff x="5319616" y="1926919"/>
+            <a:chExt cx="1460472" cy="2719662"/>
           </a:xfrm>
         </p:grpSpPr>
         <p:sp>
@@ -5600,72 +5604,6 @@
         </p:sp>
         <p:sp>
           <p:nvSpPr>
-            <p:cNvPr id="12" name="矩形: 圓角 11">
-              <a:extLst>
-                <a:ext uri="{FF2B5EF4-FFF2-40B4-BE49-F238E27FC236}">
-                  <a16:creationId xmlns:a16="http://schemas.microsoft.com/office/drawing/2014/main" id="{D37510C6-0AE3-47F0-8F06-A826B537B2C6}"/>
-                </a:ext>
-              </a:extLst>
-            </p:cNvPr>
-            <p:cNvSpPr/>
-            <p:nvPr/>
-          </p:nvSpPr>
-          <p:spPr>
-            <a:xfrm>
-              <a:off x="4589482" y="3588913"/>
-              <a:ext cx="1273404" cy="1231812"/>
-            </a:xfrm>
-            <a:prstGeom prst="roundRect">
-              <a:avLst/>
-            </a:prstGeom>
-            <a:solidFill>
-              <a:schemeClr val="accent4">
-                <a:lumMod val="40000"/>
-                <a:lumOff val="60000"/>
-              </a:schemeClr>
-            </a:solidFill>
-            <a:ln>
-              <a:noFill/>
-            </a:ln>
-          </p:spPr>
-          <p:style>
-            <a:lnRef idx="2">
-              <a:schemeClr val="accent1">
-                <a:shade val="50000"/>
-              </a:schemeClr>
-            </a:lnRef>
-            <a:fillRef idx="1">
-              <a:schemeClr val="accent1"/>
-            </a:fillRef>
-            <a:effectRef idx="0">
-              <a:schemeClr val="accent1"/>
-            </a:effectRef>
-            <a:fontRef idx="minor">
-              <a:schemeClr val="lt1"/>
-            </a:fontRef>
-          </p:style>
-          <p:txBody>
-            <a:bodyPr rtlCol="0" anchor="ctr"/>
-            <a:lstStyle/>
-            <a:p>
-              <a:pPr algn="ctr"/>
-              <a:r>
-                <a:rPr lang="zh-TW" altLang="en-US" dirty="0">
-                  <a:solidFill>
-                    <a:schemeClr val="accent2">
-                      <a:lumMod val="50000"/>
-                    </a:schemeClr>
-                  </a:solidFill>
-                  <a:latin typeface="微軟正黑體" panose="020B0604030504040204" pitchFamily="34" charset="-120"/>
-                  <a:ea typeface="微軟正黑體" panose="020B0604030504040204" pitchFamily="34" charset="-120"/>
-                </a:rPr>
-                <a:t>遊戲說明</a:t>
-              </a:r>
-            </a:p>
-          </p:txBody>
-        </p:sp>
-        <p:sp>
-          <p:nvSpPr>
             <p:cNvPr id="13" name="矩形: 圓角 12">
               <a:extLst>
                 <a:ext uri="{FF2B5EF4-FFF2-40B4-BE49-F238E27FC236}">
@@ -5678,7 +5616,7 @@
           </p:nvSpPr>
           <p:spPr>
             <a:xfrm>
-              <a:off x="6411482" y="3588913"/>
+              <a:off x="5422248" y="3414769"/>
               <a:ext cx="1273404" cy="1231812"/>
             </a:xfrm>
             <a:prstGeom prst="roundRect">
@@ -5730,138 +5668,6 @@
             </a:p>
           </p:txBody>
         </p:sp>
-        <p:cxnSp>
-          <p:nvCxnSpPr>
-            <p:cNvPr id="14" name="接點: 肘形 13">
-              <a:extLst>
-                <a:ext uri="{FF2B5EF4-FFF2-40B4-BE49-F238E27FC236}">
-                  <a16:creationId xmlns:a16="http://schemas.microsoft.com/office/drawing/2014/main" id="{AF9F32A7-55D7-4CFA-83F8-4F77A574F3CD}"/>
-                </a:ext>
-              </a:extLst>
-            </p:cNvPr>
-            <p:cNvCxnSpPr>
-              <a:cxnSpLocks/>
-              <a:stCxn id="10" idx="2"/>
-            </p:cNvCxnSpPr>
-            <p:nvPr/>
-          </p:nvCxnSpPr>
-          <p:spPr>
-            <a:xfrm rot="5400000">
-              <a:off x="5446230" y="2707552"/>
-              <a:ext cx="370791" cy="836455"/>
-            </a:xfrm>
-            <a:prstGeom prst="bentConnector2">
-              <a:avLst/>
-            </a:prstGeom>
-            <a:ln w="38100">
-              <a:solidFill>
-                <a:schemeClr val="accent4"/>
-              </a:solidFill>
-            </a:ln>
-          </p:spPr>
-          <p:style>
-            <a:lnRef idx="1">
-              <a:schemeClr val="accent1"/>
-            </a:lnRef>
-            <a:fillRef idx="0">
-              <a:schemeClr val="accent1"/>
-            </a:fillRef>
-            <a:effectRef idx="0">
-              <a:schemeClr val="accent1"/>
-            </a:effectRef>
-            <a:fontRef idx="minor">
-              <a:schemeClr val="tx1"/>
-            </a:fontRef>
-          </p:style>
-        </p:cxnSp>
-        <p:cxnSp>
-          <p:nvCxnSpPr>
-            <p:cNvPr id="15" name="直線接點 14">
-              <a:extLst>
-                <a:ext uri="{FF2B5EF4-FFF2-40B4-BE49-F238E27FC236}">
-                  <a16:creationId xmlns:a16="http://schemas.microsoft.com/office/drawing/2014/main" id="{4CA33E04-FA0A-4ACE-B704-649E093C3CB8}"/>
-                </a:ext>
-              </a:extLst>
-            </p:cNvPr>
-            <p:cNvCxnSpPr>
-              <a:cxnSpLocks/>
-              <a:endCxn id="12" idx="0"/>
-            </p:cNvCxnSpPr>
-            <p:nvPr/>
-          </p:nvCxnSpPr>
-          <p:spPr>
-            <a:xfrm>
-              <a:off x="5213398" y="3311175"/>
-              <a:ext cx="12786" cy="277738"/>
-            </a:xfrm>
-            <a:prstGeom prst="line">
-              <a:avLst/>
-            </a:prstGeom>
-            <a:ln w="38100">
-              <a:solidFill>
-                <a:schemeClr val="accent4"/>
-              </a:solidFill>
-            </a:ln>
-          </p:spPr>
-          <p:style>
-            <a:lnRef idx="1">
-              <a:schemeClr val="accent1"/>
-            </a:lnRef>
-            <a:fillRef idx="0">
-              <a:schemeClr val="accent1"/>
-            </a:fillRef>
-            <a:effectRef idx="0">
-              <a:schemeClr val="accent1"/>
-            </a:effectRef>
-            <a:fontRef idx="minor">
-              <a:schemeClr val="tx1"/>
-            </a:fontRef>
-          </p:style>
-        </p:cxnSp>
-        <p:cxnSp>
-          <p:nvCxnSpPr>
-            <p:cNvPr id="16" name="接點: 肘形 15">
-              <a:extLst>
-                <a:ext uri="{FF2B5EF4-FFF2-40B4-BE49-F238E27FC236}">
-                  <a16:creationId xmlns:a16="http://schemas.microsoft.com/office/drawing/2014/main" id="{467ED2EC-FCE8-4623-9368-165D6C9AF2BF}"/>
-                </a:ext>
-              </a:extLst>
-            </p:cNvPr>
-            <p:cNvCxnSpPr>
-              <a:cxnSpLocks/>
-              <a:endCxn id="13" idx="0"/>
-            </p:cNvCxnSpPr>
-            <p:nvPr/>
-          </p:nvCxnSpPr>
-          <p:spPr>
-            <a:xfrm>
-              <a:off x="6061006" y="3316393"/>
-              <a:ext cx="987178" cy="272520"/>
-            </a:xfrm>
-            <a:prstGeom prst="bentConnector2">
-              <a:avLst/>
-            </a:prstGeom>
-            <a:ln w="38100">
-              <a:solidFill>
-                <a:schemeClr val="accent4"/>
-              </a:solidFill>
-            </a:ln>
-          </p:spPr>
-          <p:style>
-            <a:lnRef idx="1">
-              <a:schemeClr val="accent1"/>
-            </a:lnRef>
-            <a:fillRef idx="0">
-              <a:schemeClr val="accent1"/>
-            </a:fillRef>
-            <a:effectRef idx="0">
-              <a:schemeClr val="accent1"/>
-            </a:effectRef>
-            <a:fontRef idx="minor">
-              <a:schemeClr val="tx1"/>
-            </a:fontRef>
-          </p:style>
-        </p:cxnSp>
       </p:grpSp>
       <p:sp>
         <p:nvSpPr>
@@ -6151,14 +5957,16 @@
             </a:extLst>
           </p:cNvPr>
           <p:cNvCxnSpPr>
+            <a:cxnSpLocks/>
             <a:stCxn id="13" idx="2"/>
+            <a:endCxn id="76" idx="0"/>
           </p:cNvCxnSpPr>
           <p:nvPr/>
         </p:nvCxnSpPr>
         <p:spPr>
           <a:xfrm>
-            <a:off x="8395314" y="5033177"/>
-            <a:ext cx="9098" cy="689940"/>
+            <a:off x="7406080" y="4859033"/>
+            <a:ext cx="0" cy="238497"/>
           </a:xfrm>
           <a:prstGeom prst="line">
             <a:avLst/>
@@ -6194,7 +6002,7 @@
         </p:nvSpPr>
         <p:spPr>
           <a:xfrm>
-            <a:off x="7767710" y="5665224"/>
+            <a:off x="6769378" y="5097530"/>
             <a:ext cx="1273404" cy="810236"/>
           </a:xfrm>
           <a:prstGeom prst="roundRect">
@@ -6260,6 +6068,47 @@
           </a:p>
         </p:txBody>
       </p:sp>
+      <p:cxnSp>
+        <p:nvCxnSpPr>
+          <p:cNvPr id="30" name="直線接點 29">
+            <a:extLst>
+              <a:ext uri="{FF2B5EF4-FFF2-40B4-BE49-F238E27FC236}">
+                <a16:creationId xmlns:a16="http://schemas.microsoft.com/office/drawing/2014/main" id="{6975BFBA-E72C-4538-85FF-3187B18E21FD}"/>
+              </a:ext>
+            </a:extLst>
+          </p:cNvPr>
+          <p:cNvCxnSpPr>
+            <a:cxnSpLocks/>
+            <a:stCxn id="10" idx="2"/>
+            <a:endCxn id="13" idx="0"/>
+          </p:cNvCxnSpPr>
+          <p:nvPr/>
+        </p:nvCxnSpPr>
+        <p:spPr>
+          <a:xfrm>
+            <a:off x="7396982" y="3152836"/>
+            <a:ext cx="9098" cy="474385"/>
+          </a:xfrm>
+          <a:prstGeom prst="line">
+            <a:avLst/>
+          </a:prstGeom>
+          <a:ln w="38100"/>
+        </p:spPr>
+        <p:style>
+          <a:lnRef idx="3">
+            <a:schemeClr val="accent4"/>
+          </a:lnRef>
+          <a:fillRef idx="0">
+            <a:schemeClr val="accent4"/>
+          </a:fillRef>
+          <a:effectRef idx="2">
+            <a:schemeClr val="accent4"/>
+          </a:effectRef>
+          <a:fontRef idx="minor">
+            <a:schemeClr val="tx1"/>
+          </a:fontRef>
+        </p:style>
+      </p:cxnSp>
     </p:spTree>
     <p:extLst>
       <p:ext uri="{BB962C8B-B14F-4D97-AF65-F5344CB8AC3E}">
@@ -6795,10 +6644,22 @@
           <a:p>
             <a:pPr algn="ctr"/>
             <a:r>
-              <a:rPr lang="en-US" altLang="zh-TW" sz="2400" kern="1200" dirty="0"/>
+              <a:rPr lang="en-US" altLang="zh-TW" sz="2400" kern="1200" dirty="0">
+                <a:solidFill>
+                  <a:schemeClr val="accent1">
+                    <a:lumMod val="50000"/>
+                  </a:schemeClr>
+                </a:solidFill>
+              </a:rPr>
               <a:t>jQuery</a:t>
             </a:r>
-            <a:endParaRPr lang="zh-TW" altLang="en-US" sz="2400" dirty="0"/>
+            <a:endParaRPr lang="zh-TW" altLang="en-US" sz="2400" dirty="0">
+              <a:solidFill>
+                <a:schemeClr val="accent1">
+                  <a:lumMod val="50000"/>
+                </a:schemeClr>
+              </a:solidFill>
+            </a:endParaRPr>
           </a:p>
           <a:p>
             <a:pPr algn="ctr"/>
@@ -6929,6 +6790,11 @@
             <a:pPr algn="ctr"/>
             <a:r>
               <a:rPr lang="en-US" altLang="zh-TW" sz="2400" dirty="0">
+                <a:solidFill>
+                  <a:schemeClr val="accent1">
+                    <a:lumMod val="50000"/>
+                  </a:schemeClr>
+                </a:solidFill>
                 <a:latin typeface="Times New Roman" panose="02020603050405020304" pitchFamily="18" charset="0"/>
                 <a:cs typeface="Times New Roman" panose="02020603050405020304" pitchFamily="18" charset="0"/>
               </a:rPr>
@@ -6939,6 +6805,11 @@
             <a:pPr algn="ctr"/>
             <a:r>
               <a:rPr lang="en-US" altLang="zh-TW" sz="2400" dirty="0">
+                <a:solidFill>
+                  <a:schemeClr val="accent1">
+                    <a:lumMod val="50000"/>
+                  </a:schemeClr>
+                </a:solidFill>
                 <a:latin typeface="Times New Roman" panose="02020603050405020304" pitchFamily="18" charset="0"/>
                 <a:cs typeface="Times New Roman" panose="02020603050405020304" pitchFamily="18" charset="0"/>
               </a:rPr>
@@ -6949,12 +6820,22 @@
             <a:pPr algn="ctr"/>
             <a:r>
               <a:rPr lang="en-US" altLang="zh-TW" sz="2400" dirty="0">
+                <a:solidFill>
+                  <a:schemeClr val="accent1">
+                    <a:lumMod val="50000"/>
+                  </a:schemeClr>
+                </a:solidFill>
                 <a:latin typeface="Times New Roman" panose="02020603050405020304" pitchFamily="18" charset="0"/>
                 <a:cs typeface="Times New Roman" panose="02020603050405020304" pitchFamily="18" charset="0"/>
               </a:rPr>
               <a:t>Java script</a:t>
             </a:r>
             <a:endParaRPr lang="zh-TW" altLang="en-US" sz="2400" dirty="0">
+              <a:solidFill>
+                <a:schemeClr val="accent1">
+                  <a:lumMod val="50000"/>
+                </a:schemeClr>
+              </a:solidFill>
               <a:latin typeface="Times New Roman" panose="02020603050405020304" pitchFamily="18" charset="0"/>
               <a:ea typeface="微軟正黑體" panose="020B0604030504040204" pitchFamily="34" charset="-120"/>
               <a:cs typeface="Times New Roman" panose="02020603050405020304" pitchFamily="18" charset="0"/>
@@ -7158,7 +7039,7 @@
           <a:lstStyle/>
           <a:p>
             <a:r>
-              <a:rPr lang="zh-TW" altLang="en-US" sz="3600" b="1" kern="1200">
+              <a:rPr lang="zh-TW" altLang="en-US" sz="3600" b="1" kern="1200" dirty="0">
                 <a:solidFill>
                   <a:schemeClr val="accent1">
                     <a:lumMod val="75000"/>
@@ -7170,7 +7051,7 @@
               <a:t>特色</a:t>
             </a:r>
             <a:r>
-              <a:rPr lang="en-US" altLang="zh-TW" sz="3600" b="1" kern="1200">
+              <a:rPr lang="en-US" altLang="zh-TW" sz="3600" b="1" kern="1200" dirty="0">
                 <a:solidFill>
                   <a:schemeClr val="accent1">
                     <a:lumMod val="75000"/>
@@ -7181,15 +7062,6 @@
               </a:rPr>
               <a:t>:</a:t>
             </a:r>
-            <a:endParaRPr lang="en-US" altLang="zh-TW" sz="3600" b="1" kern="1200" dirty="0">
-              <a:solidFill>
-                <a:schemeClr val="accent1">
-                  <a:lumMod val="75000"/>
-                </a:schemeClr>
-              </a:solidFill>
-              <a:latin typeface="微軟正黑體" panose="020B0604030504040204" pitchFamily="34" charset="-120"/>
-              <a:ea typeface="微軟正黑體" panose="020B0604030504040204" pitchFamily="34" charset="-120"/>
-            </a:endParaRPr>
           </a:p>
         </p:txBody>
       </p:sp>
@@ -7914,6 +7786,1215 @@
       </p:sp>
       <p:sp>
         <p:nvSpPr>
+          <p:cNvPr id="3" name="文字方塊 2">
+            <a:extLst>
+              <a:ext uri="{FF2B5EF4-FFF2-40B4-BE49-F238E27FC236}">
+                <a16:creationId xmlns:a16="http://schemas.microsoft.com/office/drawing/2014/main" id="{20C468F7-A3F2-4E2C-9B79-8F7BAB767A98}"/>
+              </a:ext>
+            </a:extLst>
+          </p:cNvPr>
+          <p:cNvSpPr txBox="1"/>
+          <p:nvPr/>
+        </p:nvSpPr>
+        <p:spPr>
+          <a:xfrm>
+            <a:off x="643467" y="1782981"/>
+            <a:ext cx="10905066" cy="4393982"/>
+          </a:xfrm>
+          <a:prstGeom prst="rect">
+            <a:avLst/>
+          </a:prstGeom>
+        </p:spPr>
+        <p:txBody>
+          <a:bodyPr vert="horz" lIns="91440" tIns="45720" rIns="91440" bIns="45720" rtlCol="0">
+            <a:normAutofit/>
+          </a:bodyPr>
+          <a:lstStyle/>
+          <a:p>
+            <a:pPr defTabSz="914400">
+              <a:lnSpc>
+                <a:spcPct val="90000"/>
+              </a:lnSpc>
+              <a:spcAft>
+                <a:spcPts val="600"/>
+              </a:spcAft>
+            </a:pPr>
+            <a:endParaRPr lang="en-US" altLang="zh-TW" sz="1400" dirty="0"/>
+          </a:p>
+          <a:p>
+            <a:pPr indent="-228600" defTabSz="914400">
+              <a:lnSpc>
+                <a:spcPct val="90000"/>
+              </a:lnSpc>
+              <a:spcAft>
+                <a:spcPts val="600"/>
+              </a:spcAft>
+              <a:buFont typeface="Arial" panose="020B0604020202020204" pitchFamily="34" charset="0"/>
+              <a:buChar char="•"/>
+            </a:pPr>
+            <a:endParaRPr lang="en-US" altLang="zh-TW" sz="1400" dirty="0"/>
+          </a:p>
+        </p:txBody>
+      </p:sp>
+      <p:sp>
+        <p:nvSpPr>
+          <p:cNvPr id="27" name="Rectangle 26">
+            <a:extLst>
+              <a:ext uri="{FF2B5EF4-FFF2-40B4-BE49-F238E27FC236}">
+                <a16:creationId xmlns:a16="http://schemas.microsoft.com/office/drawing/2014/main" id="{2E80C965-DB6D-4F81-9E9E-B027384D0BD6}"/>
+              </a:ext>
+              <a:ext uri="{C183D7F6-B498-43B3-948B-1728B52AA6E4}">
+                <adec:decorative xmlns:adec="http://schemas.microsoft.com/office/drawing/2017/decorative" val="1"/>
+              </a:ext>
+            </a:extLst>
+          </p:cNvPr>
+          <p:cNvSpPr>
+            <a:spLocks noGrp="1" noRot="1" noChangeAspect="1" noMove="1" noResize="1" noEditPoints="1" noAdjustHandles="1" noChangeArrowheads="1" noChangeShapeType="1" noTextEdit="1"/>
+          </p:cNvSpPr>
+          <p:nvPr>
+            <p:extLst>
+              <p:ext uri="{386F3935-93C4-4BCD-93E2-E3B085C9AB24}">
+                <p16:designElem xmlns:p16="http://schemas.microsoft.com/office/powerpoint/2015/main" val="1"/>
+              </p:ext>
+            </p:extLst>
+          </p:nvPr>
+        </p:nvSpPr>
+        <p:spPr>
+          <a:xfrm rot="2700000">
+            <a:off x="11052629" y="2120024"/>
+            <a:ext cx="645368" cy="645368"/>
+          </a:xfrm>
+          <a:prstGeom prst="rect">
+            <a:avLst/>
+          </a:prstGeom>
+          <a:solidFill>
+            <a:schemeClr val="accent4">
+              <a:alpha val="30000"/>
+            </a:schemeClr>
+          </a:solidFill>
+          <a:ln>
+            <a:noFill/>
+          </a:ln>
+        </p:spPr>
+        <p:style>
+          <a:lnRef idx="2">
+            <a:schemeClr val="accent1">
+              <a:shade val="50000"/>
+            </a:schemeClr>
+          </a:lnRef>
+          <a:fillRef idx="1">
+            <a:schemeClr val="accent1"/>
+          </a:fillRef>
+          <a:effectRef idx="0">
+            <a:schemeClr val="accent1"/>
+          </a:effectRef>
+          <a:fontRef idx="minor">
+            <a:schemeClr val="lt1"/>
+          </a:fontRef>
+        </p:style>
+        <p:txBody>
+          <a:bodyPr rtlCol="0" anchor="ctr"/>
+          <a:lstStyle/>
+          <a:p>
+            <a:pPr algn="ctr"/>
+            <a:endParaRPr lang="en-US"/>
+          </a:p>
+        </p:txBody>
+      </p:sp>
+      <p:sp>
+        <p:nvSpPr>
+          <p:cNvPr id="29" name="Isosceles Triangle 28">
+            <a:extLst>
+              <a:ext uri="{FF2B5EF4-FFF2-40B4-BE49-F238E27FC236}">
+                <a16:creationId xmlns:a16="http://schemas.microsoft.com/office/drawing/2014/main" id="{A580F890-B085-4E95-96AA-55AEBEC5CE6E}"/>
+              </a:ext>
+              <a:ext uri="{C183D7F6-B498-43B3-948B-1728B52AA6E4}">
+                <adec:decorative xmlns:adec="http://schemas.microsoft.com/office/drawing/2017/decorative" val="1"/>
+              </a:ext>
+            </a:extLst>
+          </p:cNvPr>
+          <p:cNvSpPr>
+            <a:spLocks noGrp="1" noRot="1" noChangeAspect="1" noMove="1" noResize="1" noEditPoints="1" noAdjustHandles="1" noChangeArrowheads="1" noChangeShapeType="1" noTextEdit="1"/>
+          </p:cNvSpPr>
+          <p:nvPr>
+            <p:extLst>
+              <p:ext uri="{386F3935-93C4-4BCD-93E2-E3B085C9AB24}">
+                <p16:designElem xmlns:p16="http://schemas.microsoft.com/office/powerpoint/2015/main" val="1"/>
+              </p:ext>
+            </p:extLst>
+          </p:nvPr>
+        </p:nvSpPr>
+        <p:spPr>
+          <a:xfrm rot="16200000">
+            <a:off x="10289068" y="1343027"/>
+            <a:ext cx="2532832" cy="1273032"/>
+          </a:xfrm>
+          <a:prstGeom prst="triangle">
+            <a:avLst>
+              <a:gd name="adj" fmla="val 50000"/>
+            </a:avLst>
+          </a:prstGeom>
+          <a:solidFill>
+            <a:schemeClr val="accent4">
+              <a:alpha val="30000"/>
+            </a:schemeClr>
+          </a:solidFill>
+          <a:ln>
+            <a:noFill/>
+          </a:ln>
+        </p:spPr>
+        <p:style>
+          <a:lnRef idx="2">
+            <a:schemeClr val="accent1">
+              <a:shade val="50000"/>
+            </a:schemeClr>
+          </a:lnRef>
+          <a:fillRef idx="1">
+            <a:schemeClr val="accent1"/>
+          </a:fillRef>
+          <a:effectRef idx="0">
+            <a:schemeClr val="accent1"/>
+          </a:effectRef>
+          <a:fontRef idx="minor">
+            <a:schemeClr val="lt1"/>
+          </a:fontRef>
+        </p:style>
+        <p:txBody>
+          <a:bodyPr rtlCol="0" anchor="ctr"/>
+          <a:lstStyle/>
+          <a:p>
+            <a:pPr algn="ctr"/>
+            <a:endParaRPr lang="en-US"/>
+          </a:p>
+        </p:txBody>
+      </p:sp>
+      <p:sp>
+        <p:nvSpPr>
+          <p:cNvPr id="31" name="Isosceles Triangle 30">
+            <a:extLst>
+              <a:ext uri="{FF2B5EF4-FFF2-40B4-BE49-F238E27FC236}">
+                <a16:creationId xmlns:a16="http://schemas.microsoft.com/office/drawing/2014/main" id="{D3F51FEB-38FB-4F6C-9F7B-2F2AFAB65463}"/>
+              </a:ext>
+              <a:ext uri="{C183D7F6-B498-43B3-948B-1728B52AA6E4}">
+                <adec:decorative xmlns:adec="http://schemas.microsoft.com/office/drawing/2017/decorative" val="1"/>
+              </a:ext>
+            </a:extLst>
+          </p:cNvPr>
+          <p:cNvSpPr>
+            <a:spLocks noGrp="1" noRot="1" noChangeAspect="1" noMove="1" noResize="1" noEditPoints="1" noAdjustHandles="1" noChangeArrowheads="1" noChangeShapeType="1" noTextEdit="1"/>
+          </p:cNvSpPr>
+          <p:nvPr>
+            <p:extLst>
+              <p:ext uri="{386F3935-93C4-4BCD-93E2-E3B085C9AB24}">
+                <p16:designElem xmlns:p16="http://schemas.microsoft.com/office/powerpoint/2015/main" val="1"/>
+              </p:ext>
+            </p:extLst>
+          </p:nvPr>
+        </p:nvSpPr>
+        <p:spPr>
+          <a:xfrm rot="5400000">
+            <a:off x="-501760" y="5103257"/>
+            <a:ext cx="2017580" cy="1014060"/>
+          </a:xfrm>
+          <a:prstGeom prst="triangle">
+            <a:avLst>
+              <a:gd name="adj" fmla="val 50000"/>
+            </a:avLst>
+          </a:prstGeom>
+          <a:solidFill>
+            <a:schemeClr val="accent1">
+              <a:alpha val="30000"/>
+            </a:schemeClr>
+          </a:solidFill>
+          <a:ln>
+            <a:noFill/>
+          </a:ln>
+        </p:spPr>
+        <p:style>
+          <a:lnRef idx="2">
+            <a:schemeClr val="accent1">
+              <a:shade val="50000"/>
+            </a:schemeClr>
+          </a:lnRef>
+          <a:fillRef idx="1">
+            <a:schemeClr val="accent1"/>
+          </a:fillRef>
+          <a:effectRef idx="0">
+            <a:schemeClr val="accent1"/>
+          </a:effectRef>
+          <a:fontRef idx="minor">
+            <a:schemeClr val="lt1"/>
+          </a:fontRef>
+        </p:style>
+        <p:txBody>
+          <a:bodyPr wrap="square" rtlCol="0" anchor="ctr">
+            <a:noAutofit/>
+          </a:bodyPr>
+          <a:lstStyle/>
+          <a:p>
+            <a:pPr algn="ctr"/>
+            <a:endParaRPr lang="en-US"/>
+          </a:p>
+        </p:txBody>
+      </p:sp>
+      <p:sp>
+        <p:nvSpPr>
+          <p:cNvPr id="33" name="Rectangle 32">
+            <a:extLst>
+              <a:ext uri="{FF2B5EF4-FFF2-40B4-BE49-F238E27FC236}">
+                <a16:creationId xmlns:a16="http://schemas.microsoft.com/office/drawing/2014/main" id="{1E547BA6-BAE0-43BB-A7CA-60F69CE252F0}"/>
+              </a:ext>
+              <a:ext uri="{C183D7F6-B498-43B3-948B-1728B52AA6E4}">
+                <adec:decorative xmlns:adec="http://schemas.microsoft.com/office/drawing/2017/decorative" val="1"/>
+              </a:ext>
+            </a:extLst>
+          </p:cNvPr>
+          <p:cNvSpPr>
+            <a:spLocks noGrp="1" noRot="1" noChangeAspect="1" noMove="1" noResize="1" noEditPoints="1" noAdjustHandles="1" noChangeArrowheads="1" noChangeShapeType="1" noTextEdit="1"/>
+          </p:cNvSpPr>
+          <p:nvPr>
+            <p:extLst>
+              <p:ext uri="{386F3935-93C4-4BCD-93E2-E3B085C9AB24}">
+                <p16:designElem xmlns:p16="http://schemas.microsoft.com/office/powerpoint/2015/main" val="1"/>
+              </p:ext>
+            </p:extLst>
+          </p:nvPr>
+        </p:nvSpPr>
+        <p:spPr>
+          <a:xfrm rot="2700000">
+            <a:off x="427916" y="5728708"/>
+            <a:ext cx="485578" cy="485578"/>
+          </a:xfrm>
+          <a:prstGeom prst="rect">
+            <a:avLst/>
+          </a:prstGeom>
+          <a:solidFill>
+            <a:schemeClr val="accent1">
+              <a:alpha val="30000"/>
+            </a:schemeClr>
+          </a:solidFill>
+          <a:ln>
+            <a:noFill/>
+          </a:ln>
+        </p:spPr>
+        <p:style>
+          <a:lnRef idx="2">
+            <a:schemeClr val="accent1">
+              <a:shade val="50000"/>
+            </a:schemeClr>
+          </a:lnRef>
+          <a:fillRef idx="1">
+            <a:schemeClr val="accent1"/>
+          </a:fillRef>
+          <a:effectRef idx="0">
+            <a:schemeClr val="accent1"/>
+          </a:effectRef>
+          <a:fontRef idx="minor">
+            <a:schemeClr val="lt1"/>
+          </a:fontRef>
+        </p:style>
+        <p:txBody>
+          <a:bodyPr wrap="square" rtlCol="0" anchor="ctr">
+            <a:noAutofit/>
+          </a:bodyPr>
+          <a:lstStyle/>
+          <a:p>
+            <a:pPr algn="ctr"/>
+            <a:endParaRPr lang="en-US"/>
+          </a:p>
+        </p:txBody>
+      </p:sp>
+      <p:sp>
+        <p:nvSpPr>
+          <p:cNvPr id="6" name="標題 5">
+            <a:extLst>
+              <a:ext uri="{FF2B5EF4-FFF2-40B4-BE49-F238E27FC236}">
+                <a16:creationId xmlns:a16="http://schemas.microsoft.com/office/drawing/2014/main" id="{AC7295EA-B5BB-4841-B1E5-DBFB58DB445C}"/>
+              </a:ext>
+            </a:extLst>
+          </p:cNvPr>
+          <p:cNvSpPr>
+            <a:spLocks noGrp="1"/>
+          </p:cNvSpPr>
+          <p:nvPr>
+            <p:ph type="title"/>
+          </p:nvPr>
+        </p:nvSpPr>
+        <p:spPr/>
+        <p:txBody>
+          <a:bodyPr>
+            <a:normAutofit/>
+          </a:bodyPr>
+          <a:lstStyle/>
+          <a:p>
+            <a:r>
+              <a:rPr lang="zh-TW" altLang="en-US" sz="3600" b="1" dirty="0">
+                <a:solidFill>
+                  <a:schemeClr val="accent1"/>
+                </a:solidFill>
+                <a:latin typeface="微軟正黑體" panose="020B0604030504040204" pitchFamily="34" charset="-120"/>
+                <a:ea typeface="微軟正黑體" panose="020B0604030504040204" pitchFamily="34" charset="-120"/>
+              </a:rPr>
+              <a:t>使用說明</a:t>
+            </a:r>
+            <a:r>
+              <a:rPr lang="en-US" altLang="zh-TW" sz="3600" b="1" dirty="0">
+                <a:solidFill>
+                  <a:schemeClr val="accent1"/>
+                </a:solidFill>
+                <a:latin typeface="微軟正黑體" panose="020B0604030504040204" pitchFamily="34" charset="-120"/>
+                <a:ea typeface="微軟正黑體" panose="020B0604030504040204" pitchFamily="34" charset="-120"/>
+              </a:rPr>
+              <a:t>:</a:t>
+            </a:r>
+            <a:endParaRPr lang="zh-TW" altLang="en-US" sz="3600" b="1" dirty="0">
+              <a:solidFill>
+                <a:schemeClr val="accent1"/>
+              </a:solidFill>
+              <a:latin typeface="微軟正黑體" panose="020B0604030504040204" pitchFamily="34" charset="-120"/>
+              <a:ea typeface="微軟正黑體" panose="020B0604030504040204" pitchFamily="34" charset="-120"/>
+            </a:endParaRPr>
+          </a:p>
+        </p:txBody>
+      </p:sp>
+      <p:pic>
+        <p:nvPicPr>
+          <p:cNvPr id="11" name="圖片 10">
+            <a:extLst>
+              <a:ext uri="{FF2B5EF4-FFF2-40B4-BE49-F238E27FC236}">
+                <a16:creationId xmlns:a16="http://schemas.microsoft.com/office/drawing/2014/main" id="{64579A35-8B96-4107-954F-2A0629AE3B82}"/>
+              </a:ext>
+            </a:extLst>
+          </p:cNvPr>
+          <p:cNvPicPr>
+            <a:picLocks noChangeAspect="1"/>
+          </p:cNvPicPr>
+          <p:nvPr/>
+        </p:nvPicPr>
+        <p:blipFill>
+          <a:blip r:embed="rId2"/>
+          <a:stretch>
+            <a:fillRect/>
+          </a:stretch>
+        </p:blipFill>
+        <p:spPr>
+          <a:xfrm>
+            <a:off x="1456353" y="1690688"/>
+            <a:ext cx="9462615" cy="4626500"/>
+          </a:xfrm>
+          <a:prstGeom prst="rect">
+            <a:avLst/>
+          </a:prstGeom>
+        </p:spPr>
+      </p:pic>
+      <p:sp>
+        <p:nvSpPr>
+          <p:cNvPr id="12" name="橢圓 11">
+            <a:extLst>
+              <a:ext uri="{FF2B5EF4-FFF2-40B4-BE49-F238E27FC236}">
+                <a16:creationId xmlns:a16="http://schemas.microsoft.com/office/drawing/2014/main" id="{F3B5E0B2-6154-46E5-BDBF-039ED19E4ED8}"/>
+              </a:ext>
+            </a:extLst>
+          </p:cNvPr>
+          <p:cNvSpPr/>
+          <p:nvPr/>
+        </p:nvSpPr>
+        <p:spPr>
+          <a:xfrm>
+            <a:off x="2431882" y="1627752"/>
+            <a:ext cx="1371600" cy="1104900"/>
+          </a:xfrm>
+          <a:prstGeom prst="ellipse">
+            <a:avLst/>
+          </a:prstGeom>
+          <a:noFill/>
+          <a:ln w="57150">
+            <a:solidFill>
+              <a:srgbClr val="FF0000"/>
+            </a:solidFill>
+          </a:ln>
+        </p:spPr>
+        <p:style>
+          <a:lnRef idx="2">
+            <a:schemeClr val="accent2">
+              <a:shade val="50000"/>
+            </a:schemeClr>
+          </a:lnRef>
+          <a:fillRef idx="1">
+            <a:schemeClr val="accent2"/>
+          </a:fillRef>
+          <a:effectRef idx="0">
+            <a:schemeClr val="accent2"/>
+          </a:effectRef>
+          <a:fontRef idx="minor">
+            <a:schemeClr val="lt1"/>
+          </a:fontRef>
+        </p:style>
+        <p:txBody>
+          <a:bodyPr rtlCol="0" anchor="ctr"/>
+          <a:lstStyle/>
+          <a:p>
+            <a:pPr algn="ctr"/>
+            <a:endParaRPr lang="zh-TW" altLang="en-US"/>
+          </a:p>
+        </p:txBody>
+      </p:sp>
+      <p:cxnSp>
+        <p:nvCxnSpPr>
+          <p:cNvPr id="20" name="接點: 弧形 19">
+            <a:extLst>
+              <a:ext uri="{FF2B5EF4-FFF2-40B4-BE49-F238E27FC236}">
+                <a16:creationId xmlns:a16="http://schemas.microsoft.com/office/drawing/2014/main" id="{40C805B4-8346-4199-81EE-80F18A744FE3}"/>
+              </a:ext>
+            </a:extLst>
+          </p:cNvPr>
+          <p:cNvCxnSpPr/>
+          <p:nvPr/>
+        </p:nvCxnSpPr>
+        <p:spPr>
+          <a:xfrm>
+            <a:off x="3747247" y="1979543"/>
+            <a:ext cx="1694329" cy="1266416"/>
+          </a:xfrm>
+          <a:prstGeom prst="curvedConnector3">
+            <a:avLst/>
+          </a:prstGeom>
+          <a:ln w="28575">
+            <a:solidFill>
+              <a:srgbClr val="FF0000"/>
+            </a:solidFill>
+            <a:tailEnd type="triangle"/>
+          </a:ln>
+        </p:spPr>
+        <p:style>
+          <a:lnRef idx="1">
+            <a:schemeClr val="accent1"/>
+          </a:lnRef>
+          <a:fillRef idx="0">
+            <a:schemeClr val="accent1"/>
+          </a:fillRef>
+          <a:effectRef idx="0">
+            <a:schemeClr val="accent1"/>
+          </a:effectRef>
+          <a:fontRef idx="minor">
+            <a:schemeClr val="tx1"/>
+          </a:fontRef>
+        </p:style>
+      </p:cxnSp>
+      <p:sp>
+        <p:nvSpPr>
+          <p:cNvPr id="21" name="橢圓 20">
+            <a:extLst>
+              <a:ext uri="{FF2B5EF4-FFF2-40B4-BE49-F238E27FC236}">
+                <a16:creationId xmlns:a16="http://schemas.microsoft.com/office/drawing/2014/main" id="{02A50A6A-149A-45D7-8247-A817823B8A77}"/>
+              </a:ext>
+            </a:extLst>
+          </p:cNvPr>
+          <p:cNvSpPr/>
+          <p:nvPr/>
+        </p:nvSpPr>
+        <p:spPr>
+          <a:xfrm>
+            <a:off x="8640422" y="1522139"/>
+            <a:ext cx="1371600" cy="1104900"/>
+          </a:xfrm>
+          <a:prstGeom prst="ellipse">
+            <a:avLst/>
+          </a:prstGeom>
+          <a:noFill/>
+          <a:ln w="57150">
+            <a:solidFill>
+              <a:srgbClr val="FF0000"/>
+            </a:solidFill>
+          </a:ln>
+        </p:spPr>
+        <p:style>
+          <a:lnRef idx="2">
+            <a:schemeClr val="accent1">
+              <a:shade val="50000"/>
+            </a:schemeClr>
+          </a:lnRef>
+          <a:fillRef idx="1">
+            <a:schemeClr val="accent1"/>
+          </a:fillRef>
+          <a:effectRef idx="0">
+            <a:schemeClr val="accent1"/>
+          </a:effectRef>
+          <a:fontRef idx="minor">
+            <a:schemeClr val="lt1"/>
+          </a:fontRef>
+        </p:style>
+        <p:txBody>
+          <a:bodyPr rtlCol="0" anchor="ctr"/>
+          <a:lstStyle/>
+          <a:p>
+            <a:pPr algn="ctr"/>
+            <a:endParaRPr lang="zh-TW" altLang="en-US"/>
+          </a:p>
+        </p:txBody>
+      </p:sp>
+      <p:cxnSp>
+        <p:nvCxnSpPr>
+          <p:cNvPr id="23" name="接點: 弧形 22">
+            <a:extLst>
+              <a:ext uri="{FF2B5EF4-FFF2-40B4-BE49-F238E27FC236}">
+                <a16:creationId xmlns:a16="http://schemas.microsoft.com/office/drawing/2014/main" id="{B038FBAB-2BDB-4362-A69C-F720C91230B9}"/>
+              </a:ext>
+            </a:extLst>
+          </p:cNvPr>
+          <p:cNvCxnSpPr>
+            <a:stCxn id="21" idx="2"/>
+          </p:cNvCxnSpPr>
+          <p:nvPr/>
+        </p:nvCxnSpPr>
+        <p:spPr>
+          <a:xfrm rot="10800000" flipV="1">
+            <a:off x="7117976" y="2074589"/>
+            <a:ext cx="1522446" cy="1089952"/>
+          </a:xfrm>
+          <a:prstGeom prst="curvedConnector3">
+            <a:avLst/>
+          </a:prstGeom>
+          <a:ln w="38100">
+            <a:solidFill>
+              <a:srgbClr val="FF0000"/>
+            </a:solidFill>
+            <a:tailEnd type="triangle"/>
+          </a:ln>
+        </p:spPr>
+        <p:style>
+          <a:lnRef idx="1">
+            <a:schemeClr val="accent1"/>
+          </a:lnRef>
+          <a:fillRef idx="0">
+            <a:schemeClr val="accent1"/>
+          </a:fillRef>
+          <a:effectRef idx="0">
+            <a:schemeClr val="accent1"/>
+          </a:effectRef>
+          <a:fontRef idx="minor">
+            <a:schemeClr val="tx1"/>
+          </a:fontRef>
+        </p:style>
+      </p:cxnSp>
+      <p:sp>
+        <p:nvSpPr>
+          <p:cNvPr id="24" name="箭號: 向下 23">
+            <a:extLst>
+              <a:ext uri="{FF2B5EF4-FFF2-40B4-BE49-F238E27FC236}">
+                <a16:creationId xmlns:a16="http://schemas.microsoft.com/office/drawing/2014/main" id="{1EE08F88-6B17-4E74-8A24-38CA380D8E66}"/>
+              </a:ext>
+            </a:extLst>
+          </p:cNvPr>
+          <p:cNvSpPr/>
+          <p:nvPr/>
+        </p:nvSpPr>
+        <p:spPr>
+          <a:xfrm rot="10800000" flipH="1">
+            <a:off x="6096000" y="5769651"/>
+            <a:ext cx="482081" cy="403692"/>
+          </a:xfrm>
+          <a:prstGeom prst="downArrow">
+            <a:avLst/>
+          </a:prstGeom>
+        </p:spPr>
+        <p:style>
+          <a:lnRef idx="2">
+            <a:schemeClr val="accent4">
+              <a:shade val="50000"/>
+            </a:schemeClr>
+          </a:lnRef>
+          <a:fillRef idx="1">
+            <a:schemeClr val="accent4"/>
+          </a:fillRef>
+          <a:effectRef idx="0">
+            <a:schemeClr val="accent4"/>
+          </a:effectRef>
+          <a:fontRef idx="minor">
+            <a:schemeClr val="lt1"/>
+          </a:fontRef>
+        </p:style>
+        <p:txBody>
+          <a:bodyPr rtlCol="0" anchor="ctr"/>
+          <a:lstStyle/>
+          <a:p>
+            <a:pPr algn="ctr"/>
+            <a:endParaRPr lang="zh-TW" altLang="en-US"/>
+          </a:p>
+        </p:txBody>
+      </p:sp>
+    </p:spTree>
+    <p:extLst>
+      <p:ext uri="{BB962C8B-B14F-4D97-AF65-F5344CB8AC3E}">
+        <p14:creationId xmlns:p14="http://schemas.microsoft.com/office/powerpoint/2010/main" val="3971064022"/>
+      </p:ext>
+    </p:extLst>
+  </p:cSld>
+  <p:clrMapOvr>
+    <a:masterClrMapping/>
+  </p:clrMapOvr>
+  <p:timing>
+    <p:tnLst>
+      <p:par>
+        <p:cTn id="1" dur="indefinite" restart="never" nodeType="tmRoot">
+          <p:childTnLst>
+            <p:seq concurrent="1" nextAc="seek">
+              <p:cTn id="2" dur="indefinite" nodeType="mainSeq">
+                <p:childTnLst>
+                  <p:par>
+                    <p:cTn id="3" fill="hold">
+                      <p:stCondLst>
+                        <p:cond delay="indefinite"/>
+                      </p:stCondLst>
+                      <p:childTnLst>
+                        <p:par>
+                          <p:cTn id="4" fill="hold">
+                            <p:stCondLst>
+                              <p:cond delay="0"/>
+                            </p:stCondLst>
+                            <p:childTnLst>
+                              <p:par>
+                                <p:cTn id="5" presetID="1" presetClass="entr" presetSubtype="0" fill="hold" grpId="0" nodeType="clickEffect">
+                                  <p:stCondLst>
+                                    <p:cond delay="0"/>
+                                  </p:stCondLst>
+                                  <p:childTnLst>
+                                    <p:set>
+                                      <p:cBhvr>
+                                        <p:cTn id="6" dur="1" fill="hold">
+                                          <p:stCondLst>
+                                            <p:cond delay="0"/>
+                                          </p:stCondLst>
+                                        </p:cTn>
+                                        <p:tgtEl>
+                                          <p:spTgt spid="12"/>
+                                        </p:tgtEl>
+                                        <p:attrNameLst>
+                                          <p:attrName>style.visibility</p:attrName>
+                                        </p:attrNameLst>
+                                      </p:cBhvr>
+                                      <p:to>
+                                        <p:strVal val="visible"/>
+                                      </p:to>
+                                    </p:set>
+                                  </p:childTnLst>
+                                </p:cTn>
+                              </p:par>
+                            </p:childTnLst>
+                          </p:cTn>
+                        </p:par>
+                      </p:childTnLst>
+                    </p:cTn>
+                  </p:par>
+                  <p:par>
+                    <p:cTn id="7" fill="hold">
+                      <p:stCondLst>
+                        <p:cond delay="indefinite"/>
+                      </p:stCondLst>
+                      <p:childTnLst>
+                        <p:par>
+                          <p:cTn id="8" fill="hold">
+                            <p:stCondLst>
+                              <p:cond delay="0"/>
+                            </p:stCondLst>
+                            <p:childTnLst>
+                              <p:par>
+                                <p:cTn id="9" presetID="1" presetClass="entr" presetSubtype="0" fill="hold" nodeType="clickEffect">
+                                  <p:stCondLst>
+                                    <p:cond delay="0"/>
+                                  </p:stCondLst>
+                                  <p:childTnLst>
+                                    <p:set>
+                                      <p:cBhvr>
+                                        <p:cTn id="10" dur="1" fill="hold">
+                                          <p:stCondLst>
+                                            <p:cond delay="0"/>
+                                          </p:stCondLst>
+                                        </p:cTn>
+                                        <p:tgtEl>
+                                          <p:spTgt spid="20"/>
+                                        </p:tgtEl>
+                                        <p:attrNameLst>
+                                          <p:attrName>style.visibility</p:attrName>
+                                        </p:attrNameLst>
+                                      </p:cBhvr>
+                                      <p:to>
+                                        <p:strVal val="visible"/>
+                                      </p:to>
+                                    </p:set>
+                                  </p:childTnLst>
+                                </p:cTn>
+                              </p:par>
+                            </p:childTnLst>
+                          </p:cTn>
+                        </p:par>
+                      </p:childTnLst>
+                    </p:cTn>
+                  </p:par>
+                  <p:par>
+                    <p:cTn id="11" fill="hold">
+                      <p:stCondLst>
+                        <p:cond delay="indefinite"/>
+                      </p:stCondLst>
+                      <p:childTnLst>
+                        <p:par>
+                          <p:cTn id="12" fill="hold">
+                            <p:stCondLst>
+                              <p:cond delay="0"/>
+                            </p:stCondLst>
+                            <p:childTnLst>
+                              <p:par>
+                                <p:cTn id="13" presetID="1" presetClass="entr" presetSubtype="0" fill="hold" grpId="0" nodeType="clickEffect">
+                                  <p:stCondLst>
+                                    <p:cond delay="0"/>
+                                  </p:stCondLst>
+                                  <p:childTnLst>
+                                    <p:set>
+                                      <p:cBhvr>
+                                        <p:cTn id="14" dur="1" fill="hold">
+                                          <p:stCondLst>
+                                            <p:cond delay="0"/>
+                                          </p:stCondLst>
+                                        </p:cTn>
+                                        <p:tgtEl>
+                                          <p:spTgt spid="21"/>
+                                        </p:tgtEl>
+                                        <p:attrNameLst>
+                                          <p:attrName>style.visibility</p:attrName>
+                                        </p:attrNameLst>
+                                      </p:cBhvr>
+                                      <p:to>
+                                        <p:strVal val="visible"/>
+                                      </p:to>
+                                    </p:set>
+                                  </p:childTnLst>
+                                </p:cTn>
+                              </p:par>
+                            </p:childTnLst>
+                          </p:cTn>
+                        </p:par>
+                      </p:childTnLst>
+                    </p:cTn>
+                  </p:par>
+                  <p:par>
+                    <p:cTn id="15" fill="hold">
+                      <p:stCondLst>
+                        <p:cond delay="indefinite"/>
+                      </p:stCondLst>
+                      <p:childTnLst>
+                        <p:par>
+                          <p:cTn id="16" fill="hold">
+                            <p:stCondLst>
+                              <p:cond delay="0"/>
+                            </p:stCondLst>
+                            <p:childTnLst>
+                              <p:par>
+                                <p:cTn id="17" presetID="1" presetClass="entr" presetSubtype="0" fill="hold" nodeType="clickEffect">
+                                  <p:stCondLst>
+                                    <p:cond delay="0"/>
+                                  </p:stCondLst>
+                                  <p:childTnLst>
+                                    <p:set>
+                                      <p:cBhvr>
+                                        <p:cTn id="18" dur="1" fill="hold">
+                                          <p:stCondLst>
+                                            <p:cond delay="0"/>
+                                          </p:stCondLst>
+                                        </p:cTn>
+                                        <p:tgtEl>
+                                          <p:spTgt spid="23"/>
+                                        </p:tgtEl>
+                                        <p:attrNameLst>
+                                          <p:attrName>style.visibility</p:attrName>
+                                        </p:attrNameLst>
+                                      </p:cBhvr>
+                                      <p:to>
+                                        <p:strVal val="visible"/>
+                                      </p:to>
+                                    </p:set>
+                                  </p:childTnLst>
+                                </p:cTn>
+                              </p:par>
+                            </p:childTnLst>
+                          </p:cTn>
+                        </p:par>
+                      </p:childTnLst>
+                    </p:cTn>
+                  </p:par>
+                  <p:par>
+                    <p:cTn id="19" fill="hold">
+                      <p:stCondLst>
+                        <p:cond delay="indefinite"/>
+                      </p:stCondLst>
+                      <p:childTnLst>
+                        <p:par>
+                          <p:cTn id="20" fill="hold">
+                            <p:stCondLst>
+                              <p:cond delay="0"/>
+                            </p:stCondLst>
+                            <p:childTnLst>
+                              <p:par>
+                                <p:cTn id="21" presetID="1" presetClass="entr" presetSubtype="0" fill="hold" grpId="0" nodeType="clickEffect">
+                                  <p:stCondLst>
+                                    <p:cond delay="0"/>
+                                  </p:stCondLst>
+                                  <p:childTnLst>
+                                    <p:set>
+                                      <p:cBhvr>
+                                        <p:cTn id="22" dur="1" fill="hold">
+                                          <p:stCondLst>
+                                            <p:cond delay="0"/>
+                                          </p:stCondLst>
+                                        </p:cTn>
+                                        <p:tgtEl>
+                                          <p:spTgt spid="24"/>
+                                        </p:tgtEl>
+                                        <p:attrNameLst>
+                                          <p:attrName>style.visibility</p:attrName>
+                                        </p:attrNameLst>
+                                      </p:cBhvr>
+                                      <p:to>
+                                        <p:strVal val="visible"/>
+                                      </p:to>
+                                    </p:set>
+                                  </p:childTnLst>
+                                </p:cTn>
+                              </p:par>
+                            </p:childTnLst>
+                          </p:cTn>
+                        </p:par>
+                      </p:childTnLst>
+                    </p:cTn>
+                  </p:par>
+                </p:childTnLst>
+              </p:cTn>
+              <p:prevCondLst>
+                <p:cond evt="onPrev" delay="0">
+                  <p:tgtEl>
+                    <p:sldTgt/>
+                  </p:tgtEl>
+                </p:cond>
+              </p:prevCondLst>
+              <p:nextCondLst>
+                <p:cond evt="onNext" delay="0">
+                  <p:tgtEl>
+                    <p:sldTgt/>
+                  </p:tgtEl>
+                </p:cond>
+              </p:nextCondLst>
+            </p:seq>
+          </p:childTnLst>
+        </p:cTn>
+      </p:par>
+    </p:tnLst>
+    <p:bldLst>
+      <p:bldP spid="12" grpId="0" animBg="1"/>
+      <p:bldP spid="21" grpId="0" animBg="1"/>
+      <p:bldP spid="24" grpId="0" animBg="1"/>
+    </p:bldLst>
+  </p:timing>
+</p:sld>
+</file>
+
+<file path=ppt/slides/slide7.xml><?xml version="1.0" encoding="utf-8"?>
+<p:sld xmlns:a="http://schemas.openxmlformats.org/drawingml/2006/main" xmlns:r="http://schemas.openxmlformats.org/officeDocument/2006/relationships" xmlns:p="http://schemas.openxmlformats.org/presentationml/2006/main">
+  <p:cSld>
+    <p:spTree>
+      <p:nvGrpSpPr>
+        <p:cNvPr id="1" name=""/>
+        <p:cNvGrpSpPr/>
+        <p:nvPr/>
+      </p:nvGrpSpPr>
+      <p:grpSpPr>
+        <a:xfrm>
+          <a:off x="0" y="0"/>
+          <a:ext cx="0" cy="0"/>
+          <a:chOff x="0" y="0"/>
+          <a:chExt cx="0" cy="0"/>
+        </a:xfrm>
+      </p:grpSpPr>
+      <p:sp>
+        <p:nvSpPr>
+          <p:cNvPr id="2" name="標題 1">
+            <a:extLst>
+              <a:ext uri="{FF2B5EF4-FFF2-40B4-BE49-F238E27FC236}">
+                <a16:creationId xmlns:a16="http://schemas.microsoft.com/office/drawing/2014/main" id="{46312ABB-F9C4-4B4A-891C-29793B45DACF}"/>
+              </a:ext>
+            </a:extLst>
+          </p:cNvPr>
+          <p:cNvSpPr>
+            <a:spLocks noGrp="1"/>
+          </p:cNvSpPr>
+          <p:nvPr>
+            <p:ph type="title"/>
+          </p:nvPr>
+        </p:nvSpPr>
+        <p:spPr>
+          <a:xfrm>
+            <a:off x="643467" y="321734"/>
+            <a:ext cx="10905066" cy="1135737"/>
+          </a:xfrm>
+        </p:spPr>
+        <p:txBody>
+          <a:bodyPr vert="horz" lIns="91440" tIns="45720" rIns="91440" bIns="45720" rtlCol="0" anchor="ctr">
+            <a:normAutofit/>
+          </a:bodyPr>
+          <a:lstStyle/>
+          <a:p>
+            <a:r>
+              <a:rPr lang="zh-TW" altLang="en-US" sz="3600" b="1" dirty="0">
+                <a:solidFill>
+                  <a:schemeClr val="accent1">
+                    <a:lumMod val="75000"/>
+                  </a:schemeClr>
+                </a:solidFill>
+                <a:latin typeface="微軟正黑體" panose="020B0604030504040204" pitchFamily="34" charset="-120"/>
+                <a:ea typeface="微軟正黑體" panose="020B0604030504040204" pitchFamily="34" charset="-120"/>
+              </a:rPr>
+              <a:t>結</a:t>
+            </a:r>
+            <a:r>
+              <a:rPr lang="zh-TW" altLang="en-US" sz="3600" b="1" kern="1200" dirty="0">
+                <a:solidFill>
+                  <a:schemeClr val="accent1">
+                    <a:lumMod val="75000"/>
+                  </a:schemeClr>
+                </a:solidFill>
+                <a:latin typeface="微軟正黑體" panose="020B0604030504040204" pitchFamily="34" charset="-120"/>
+                <a:ea typeface="微軟正黑體" panose="020B0604030504040204" pitchFamily="34" charset="-120"/>
+              </a:rPr>
+              <a:t>果展示</a:t>
+            </a:r>
+            <a:r>
+              <a:rPr lang="en-US" altLang="zh-TW" sz="3600" b="1" kern="1200" dirty="0">
+                <a:solidFill>
+                  <a:schemeClr val="accent1">
+                    <a:lumMod val="75000"/>
+                  </a:schemeClr>
+                </a:solidFill>
+                <a:latin typeface="微軟正黑體" panose="020B0604030504040204" pitchFamily="34" charset="-120"/>
+                <a:ea typeface="微軟正黑體" panose="020B0604030504040204" pitchFamily="34" charset="-120"/>
+              </a:rPr>
+              <a:t>:</a:t>
+            </a:r>
+          </a:p>
+        </p:txBody>
+      </p:sp>
+      <p:sp>
+        <p:nvSpPr>
+          <p:cNvPr id="3" name="文字方塊 2">
+            <a:extLst>
+              <a:ext uri="{FF2B5EF4-FFF2-40B4-BE49-F238E27FC236}">
+                <a16:creationId xmlns:a16="http://schemas.microsoft.com/office/drawing/2014/main" id="{20C468F7-A3F2-4E2C-9B79-8F7BAB767A98}"/>
+              </a:ext>
+            </a:extLst>
+          </p:cNvPr>
+          <p:cNvSpPr txBox="1"/>
+          <p:nvPr/>
+        </p:nvSpPr>
+        <p:spPr>
+          <a:xfrm>
+            <a:off x="342694" y="1761777"/>
+            <a:ext cx="10905066" cy="4393982"/>
+          </a:xfrm>
+          <a:prstGeom prst="rect">
+            <a:avLst/>
+          </a:prstGeom>
+        </p:spPr>
+        <p:txBody>
+          <a:bodyPr vert="horz" lIns="91440" tIns="45720" rIns="91440" bIns="45720" rtlCol="0">
+            <a:normAutofit/>
+          </a:bodyPr>
+          <a:lstStyle/>
+          <a:p>
+            <a:pPr defTabSz="914400">
+              <a:lnSpc>
+                <a:spcPct val="90000"/>
+              </a:lnSpc>
+              <a:spcAft>
+                <a:spcPts val="600"/>
+              </a:spcAft>
+            </a:pPr>
+            <a:endParaRPr lang="en-US" altLang="zh-TW" sz="1400" dirty="0"/>
+          </a:p>
+          <a:p>
+            <a:pPr indent="-228600" defTabSz="914400">
+              <a:lnSpc>
+                <a:spcPct val="90000"/>
+              </a:lnSpc>
+              <a:spcAft>
+                <a:spcPts val="600"/>
+              </a:spcAft>
+              <a:buFont typeface="Arial" panose="020B0604020202020204" pitchFamily="34" charset="0"/>
+              <a:buChar char="•"/>
+            </a:pPr>
+            <a:endParaRPr lang="en-US" altLang="zh-TW" sz="1400" dirty="0"/>
+          </a:p>
+        </p:txBody>
+      </p:sp>
+      <p:pic>
+        <p:nvPicPr>
+          <p:cNvPr id="11" name="圖片 10">
+            <a:extLst>
+              <a:ext uri="{FF2B5EF4-FFF2-40B4-BE49-F238E27FC236}">
+                <a16:creationId xmlns:a16="http://schemas.microsoft.com/office/drawing/2014/main" id="{30EEC362-4C6B-486A-9EA2-8BC90B97DF40}"/>
+              </a:ext>
+            </a:extLst>
+          </p:cNvPr>
+          <p:cNvPicPr>
+            <a:picLocks noChangeAspect="1"/>
+          </p:cNvPicPr>
+          <p:nvPr/>
+        </p:nvPicPr>
+        <p:blipFill>
+          <a:blip r:embed="rId2"/>
+          <a:stretch>
+            <a:fillRect/>
+          </a:stretch>
+        </p:blipFill>
+        <p:spPr>
+          <a:xfrm>
+            <a:off x="7086393" y="1133224"/>
+            <a:ext cx="4762913" cy="5326842"/>
+          </a:xfrm>
+          <a:prstGeom prst="rect">
+            <a:avLst/>
+          </a:prstGeom>
+        </p:spPr>
+      </p:pic>
+      <p:pic>
+        <p:nvPicPr>
+          <p:cNvPr id="4" name="圖片 3">
+            <a:extLst>
+              <a:ext uri="{FF2B5EF4-FFF2-40B4-BE49-F238E27FC236}">
+                <a16:creationId xmlns:a16="http://schemas.microsoft.com/office/drawing/2014/main" id="{9FC58D6B-BE7C-4CC5-803C-5A3FBE6C4513}"/>
+              </a:ext>
+            </a:extLst>
+          </p:cNvPr>
+          <p:cNvPicPr>
+            <a:picLocks noChangeAspect="1"/>
+          </p:cNvPicPr>
+          <p:nvPr/>
+        </p:nvPicPr>
+        <p:blipFill>
+          <a:blip r:embed="rId3"/>
+          <a:stretch>
+            <a:fillRect/>
+          </a:stretch>
+        </p:blipFill>
+        <p:spPr>
+          <a:xfrm>
+            <a:off x="944240" y="1924050"/>
+            <a:ext cx="5537122" cy="3579020"/>
+          </a:xfrm>
+          <a:prstGeom prst="rect">
+            <a:avLst/>
+          </a:prstGeom>
+        </p:spPr>
+      </p:pic>
+    </p:spTree>
+    <p:extLst>
+      <p:ext uri="{BB962C8B-B14F-4D97-AF65-F5344CB8AC3E}">
+        <p14:creationId xmlns:p14="http://schemas.microsoft.com/office/powerpoint/2010/main" val="3230181046"/>
+      </p:ext>
+    </p:extLst>
+  </p:cSld>
+  <p:clrMapOvr>
+    <a:masterClrMapping/>
+  </p:clrMapOvr>
+</p:sld>
+</file>
+
+<file path=ppt/slides/slide8.xml><?xml version="1.0" encoding="utf-8"?>
+<p:sld xmlns:a="http://schemas.openxmlformats.org/drawingml/2006/main" xmlns:r="http://schemas.openxmlformats.org/officeDocument/2006/relationships" xmlns:p="http://schemas.openxmlformats.org/presentationml/2006/main">
+  <p:cSld>
+    <p:bg>
+      <p:bgPr>
+        <a:solidFill>
+          <a:schemeClr val="bg1"/>
+        </a:solidFill>
+        <a:effectLst/>
+      </p:bgPr>
+    </p:bg>
+    <p:spTree>
+      <p:nvGrpSpPr>
+        <p:cNvPr id="1" name=""/>
+        <p:cNvGrpSpPr/>
+        <p:nvPr/>
+      </p:nvGrpSpPr>
+      <p:grpSpPr>
+        <a:xfrm>
+          <a:off x="0" y="0"/>
+          <a:ext cx="0" cy="0"/>
+          <a:chOff x="0" y="0"/>
+          <a:chExt cx="0" cy="0"/>
+        </a:xfrm>
+      </p:grpSpPr>
+      <p:sp>
+        <p:nvSpPr>
+          <p:cNvPr id="25" name="Rectangle 24">
+            <a:extLst>
+              <a:ext uri="{FF2B5EF4-FFF2-40B4-BE49-F238E27FC236}">
+                <a16:creationId xmlns:a16="http://schemas.microsoft.com/office/drawing/2014/main" id="{2B566528-1B12-4246-9431-5C2D7D081168}"/>
+              </a:ext>
+              <a:ext uri="{C183D7F6-B498-43B3-948B-1728B52AA6E4}">
+                <adec:decorative xmlns:adec="http://schemas.microsoft.com/office/drawing/2017/decorative" val="1"/>
+              </a:ext>
+            </a:extLst>
+          </p:cNvPr>
+          <p:cNvSpPr>
+            <a:spLocks noGrp="1" noRot="1" noChangeAspect="1" noMove="1" noResize="1" noEditPoints="1" noAdjustHandles="1" noChangeArrowheads="1" noChangeShapeType="1" noTextEdit="1"/>
+          </p:cNvSpPr>
+          <p:nvPr>
+            <p:extLst>
+              <p:ext uri="{386F3935-93C4-4BCD-93E2-E3B085C9AB24}">
+                <p16:designElem xmlns:p16="http://schemas.microsoft.com/office/powerpoint/2015/main" val="1"/>
+              </p:ext>
+            </p:extLst>
+          </p:nvPr>
+        </p:nvSpPr>
+        <p:spPr>
+          <a:xfrm>
+            <a:off x="0" y="0"/>
+            <a:ext cx="12192000" cy="6858000"/>
+          </a:xfrm>
+          <a:prstGeom prst="rect">
+            <a:avLst/>
+          </a:prstGeom>
+          <a:solidFill>
+            <a:schemeClr val="bg1"/>
+          </a:solidFill>
+          <a:ln>
+            <a:noFill/>
+          </a:ln>
+        </p:spPr>
+        <p:style>
+          <a:lnRef idx="2">
+            <a:schemeClr val="accent1">
+              <a:shade val="50000"/>
+            </a:schemeClr>
+          </a:lnRef>
+          <a:fillRef idx="1">
+            <a:schemeClr val="accent1"/>
+          </a:fillRef>
+          <a:effectRef idx="0">
+            <a:schemeClr val="accent1"/>
+          </a:effectRef>
+          <a:fontRef idx="minor">
+            <a:schemeClr val="lt1"/>
+          </a:fontRef>
+        </p:style>
+        <p:txBody>
+          <a:bodyPr rtlCol="0" anchor="ctr"/>
+          <a:lstStyle/>
+          <a:p>
+            <a:pPr algn="ctr"/>
+            <a:endParaRPr lang="en-US" dirty="0"/>
+          </a:p>
+        </p:txBody>
+      </p:sp>
+      <p:sp>
+        <p:nvSpPr>
           <p:cNvPr id="2" name="標題 1">
             <a:extLst>
               <a:ext uri="{FF2B5EF4-FFF2-40B4-BE49-F238E27FC236}">
@@ -8771,7 +9852,7 @@
 </p:sld>
 </file>
 
-<file path=ppt/slides/slide7.xml><?xml version="1.0" encoding="utf-8"?>
+<file path=ppt/slides/slide9.xml><?xml version="1.0" encoding="utf-8"?>
 <p:sld xmlns:a="http://schemas.openxmlformats.org/drawingml/2006/main" xmlns:r="http://schemas.openxmlformats.org/officeDocument/2006/relationships" xmlns:p="http://schemas.openxmlformats.org/presentationml/2006/main">
   <p:cSld>
     <p:bg>
